--- a/Speaker Modelling.pptx
+++ b/Speaker Modelling.pptx
@@ -112,6 +112,11 @@
       </a:defRPr>
     </a:lvl9pPr>
   </p:defaultTextStyle>
+  <p:extLst>
+    <p:ext uri="{EFAFB233-063F-42B5-8137-9DF3F51BA10A}">
+      <p15:sldGuideLst xmlns:p15="http://schemas.microsoft.com/office/powerpoint/2012/main"/>
+    </p:ext>
+  </p:extLst>
 </p:presentation>
 </file>
 
@@ -4828,7 +4833,14 @@
             <a:pPr lvl="1"/>
             <a:r>
               <a:rPr lang="en-US" dirty="0"/>
-              <a:t>Prediction </a:t>
+              <a:t>Predict</a:t>
+            </a:r>
+          </a:p>
+          <a:p>
+            <a:pPr lvl="1"/>
+            <a:r>
+              <a:rPr lang="en-US" dirty="0"/>
+              <a:t>Compare </a:t>
             </a:r>
           </a:p>
           <a:p>
@@ -4961,6 +4973,13 @@
             </a:r>
           </a:p>
           <a:p>
+            <a:pPr lvl="1"/>
+            <a:r>
+              <a:rPr lang="en-US" dirty="0"/>
+              <a:t>Electromechanical </a:t>
+            </a:r>
+          </a:p>
+          <a:p>
             <a:r>
               <a:rPr lang="en-US" dirty="0"/>
               <a:t>Transfer Functions</a:t>
@@ -4974,10 +4993,122 @@
             </a:r>
           </a:p>
           <a:p>
+            <a:pPr lvl="1"/>
+            <a:endParaRPr lang="en-US" dirty="0"/>
+          </a:p>
+          <a:p>
+            <a:pPr lvl="1"/>
+            <a:endParaRPr lang="en-US" dirty="0"/>
+          </a:p>
+          <a:p>
+            <a:pPr lvl="1"/>
+            <a:r>
+              <a:rPr lang="en-US" dirty="0"/>
+              <a:t>Drive Unit</a:t>
+            </a:r>
+          </a:p>
+          <a:p>
+            <a:pPr lvl="2"/>
+            <a:r>
+              <a:rPr lang="en-US" dirty="0"/>
+              <a:t>Infinite enclosure</a:t>
+            </a:r>
+          </a:p>
+          <a:p>
             <a:endParaRPr lang="da-DK" dirty="0"/>
           </a:p>
         </p:txBody>
       </p:sp>
+      <p:pic>
+        <p:nvPicPr>
+          <p:cNvPr id="4" name="Picture 3">
+            <a:extLst>
+              <a:ext uri="{FF2B5EF4-FFF2-40B4-BE49-F238E27FC236}">
+                <a16:creationId xmlns:a16="http://schemas.microsoft.com/office/drawing/2014/main" id="{12039B28-AA1A-40F6-80B2-3BDC10C41E3C}"/>
+              </a:ext>
+            </a:extLst>
+          </p:cNvPr>
+          <p:cNvPicPr>
+            <a:picLocks noChangeAspect="1"/>
+          </p:cNvPicPr>
+          <p:nvPr/>
+        </p:nvPicPr>
+        <p:blipFill>
+          <a:blip r:embed="rId3"/>
+          <a:stretch>
+            <a:fillRect/>
+          </a:stretch>
+        </p:blipFill>
+        <p:spPr>
+          <a:xfrm>
+            <a:off x="1447606" y="3234505"/>
+            <a:ext cx="1847850" cy="495300"/>
+          </a:xfrm>
+          <a:prstGeom prst="rect">
+            <a:avLst/>
+          </a:prstGeom>
+        </p:spPr>
+      </p:pic>
+      <p:pic>
+        <p:nvPicPr>
+          <p:cNvPr id="5" name="Picture 4">
+            <a:extLst>
+              <a:ext uri="{FF2B5EF4-FFF2-40B4-BE49-F238E27FC236}">
+                <a16:creationId xmlns:a16="http://schemas.microsoft.com/office/drawing/2014/main" id="{ED1EC644-93A7-4F4F-8361-F8691FB63833}"/>
+              </a:ext>
+            </a:extLst>
+          </p:cNvPr>
+          <p:cNvPicPr>
+            <a:picLocks noChangeAspect="1"/>
+          </p:cNvPicPr>
+          <p:nvPr/>
+        </p:nvPicPr>
+        <p:blipFill>
+          <a:blip r:embed="rId4"/>
+          <a:stretch>
+            <a:fillRect/>
+          </a:stretch>
+        </p:blipFill>
+        <p:spPr>
+          <a:xfrm>
+            <a:off x="1666875" y="4558559"/>
+            <a:ext cx="838200" cy="428625"/>
+          </a:xfrm>
+          <a:prstGeom prst="rect">
+            <a:avLst/>
+          </a:prstGeom>
+        </p:spPr>
+      </p:pic>
+      <p:pic>
+        <p:nvPicPr>
+          <p:cNvPr id="6" name="Picture 5">
+            <a:extLst>
+              <a:ext uri="{FF2B5EF4-FFF2-40B4-BE49-F238E27FC236}">
+                <a16:creationId xmlns:a16="http://schemas.microsoft.com/office/drawing/2014/main" id="{A1FF53DE-8B7E-4305-B01D-A7E2EA4CCB65}"/>
+              </a:ext>
+            </a:extLst>
+          </p:cNvPr>
+          <p:cNvPicPr>
+            <a:picLocks noChangeAspect="1"/>
+          </p:cNvPicPr>
+          <p:nvPr/>
+        </p:nvPicPr>
+        <p:blipFill>
+          <a:blip r:embed="rId5"/>
+          <a:stretch>
+            <a:fillRect/>
+          </a:stretch>
+        </p:blipFill>
+        <p:spPr>
+          <a:xfrm>
+            <a:off x="1666875" y="5118576"/>
+            <a:ext cx="4772025" cy="619125"/>
+          </a:xfrm>
+          <a:prstGeom prst="rect">
+            <a:avLst/>
+          </a:prstGeom>
+        </p:spPr>
+      </p:pic>
     </p:spTree>
     <p:extLst>
       <p:ext uri="{BB962C8B-B14F-4D97-AF65-F5344CB8AC3E}">

--- a/Speaker Modelling.pptx
+++ b/Speaker Modelling.pptx
@@ -202,7 +202,7 @@
           <a:p>
             <a:fld id="{6719F2D6-C496-4A41-A27B-2F26949ECC29}" type="datetimeFigureOut">
               <a:rPr lang="da-DK" smtClean="0"/>
-              <a:t>12-06-2018</a:t>
+              <a:t>13-06-2018</a:t>
             </a:fld>
             <a:endParaRPr lang="da-DK"/>
           </a:p>
@@ -1224,7 +1224,7 @@
           <a:p>
             <a:fld id="{30485DA9-E8E5-45CF-BA5E-FFB4DE1BCC6B}" type="datetimeFigureOut">
               <a:rPr lang="da-DK" smtClean="0"/>
-              <a:t>12-06-2018</a:t>
+              <a:t>13-06-2018</a:t>
             </a:fld>
             <a:endParaRPr lang="da-DK"/>
           </a:p>
@@ -1432,7 +1432,7 @@
           <a:p>
             <a:fld id="{30485DA9-E8E5-45CF-BA5E-FFB4DE1BCC6B}" type="datetimeFigureOut">
               <a:rPr lang="da-DK" smtClean="0"/>
-              <a:t>12-06-2018</a:t>
+              <a:t>13-06-2018</a:t>
             </a:fld>
             <a:endParaRPr lang="da-DK"/>
           </a:p>
@@ -1688,7 +1688,7 @@
           <a:p>
             <a:fld id="{30485DA9-E8E5-45CF-BA5E-FFB4DE1BCC6B}" type="datetimeFigureOut">
               <a:rPr lang="da-DK" smtClean="0"/>
-              <a:t>12-06-2018</a:t>
+              <a:t>13-06-2018</a:t>
             </a:fld>
             <a:endParaRPr lang="da-DK"/>
           </a:p>
@@ -1858,7 +1858,7 @@
           <a:p>
             <a:fld id="{30485DA9-E8E5-45CF-BA5E-FFB4DE1BCC6B}" type="datetimeFigureOut">
               <a:rPr lang="da-DK" smtClean="0"/>
-              <a:t>12-06-2018</a:t>
+              <a:t>13-06-2018</a:t>
             </a:fld>
             <a:endParaRPr lang="da-DK"/>
           </a:p>
@@ -2201,7 +2201,7 @@
           <a:p>
             <a:fld id="{30485DA9-E8E5-45CF-BA5E-FFB4DE1BCC6B}" type="datetimeFigureOut">
               <a:rPr lang="da-DK" smtClean="0"/>
-              <a:t>12-06-2018</a:t>
+              <a:t>13-06-2018</a:t>
             </a:fld>
             <a:endParaRPr lang="da-DK"/>
           </a:p>
@@ -2476,7 +2476,7 @@
           <a:p>
             <a:fld id="{30485DA9-E8E5-45CF-BA5E-FFB4DE1BCC6B}" type="datetimeFigureOut">
               <a:rPr lang="da-DK" smtClean="0"/>
-              <a:t>12-06-2018</a:t>
+              <a:t>13-06-2018</a:t>
             </a:fld>
             <a:endParaRPr lang="da-DK"/>
           </a:p>
@@ -2855,7 +2855,7 @@
           <a:p>
             <a:fld id="{30485DA9-E8E5-45CF-BA5E-FFB4DE1BCC6B}" type="datetimeFigureOut">
               <a:rPr lang="da-DK" smtClean="0"/>
-              <a:t>12-06-2018</a:t>
+              <a:t>13-06-2018</a:t>
             </a:fld>
             <a:endParaRPr lang="da-DK"/>
           </a:p>
@@ -2973,7 +2973,7 @@
           <a:p>
             <a:fld id="{30485DA9-E8E5-45CF-BA5E-FFB4DE1BCC6B}" type="datetimeFigureOut">
               <a:rPr lang="da-DK" smtClean="0"/>
-              <a:t>12-06-2018</a:t>
+              <a:t>13-06-2018</a:t>
             </a:fld>
             <a:endParaRPr lang="da-DK"/>
           </a:p>
@@ -3144,7 +3144,7 @@
           <a:p>
             <a:fld id="{30485DA9-E8E5-45CF-BA5E-FFB4DE1BCC6B}" type="datetimeFigureOut">
               <a:rPr lang="da-DK" smtClean="0"/>
-              <a:t>12-06-2018</a:t>
+              <a:t>13-06-2018</a:t>
             </a:fld>
             <a:endParaRPr lang="da-DK"/>
           </a:p>
@@ -3498,7 +3498,7 @@
           <a:p>
             <a:fld id="{30485DA9-E8E5-45CF-BA5E-FFB4DE1BCC6B}" type="datetimeFigureOut">
               <a:rPr lang="da-DK" smtClean="0"/>
-              <a:t>12-06-2018</a:t>
+              <a:t>13-06-2018</a:t>
             </a:fld>
             <a:endParaRPr lang="da-DK"/>
           </a:p>
@@ -3875,7 +3875,7 @@
           <a:p>
             <a:fld id="{30485DA9-E8E5-45CF-BA5E-FFB4DE1BCC6B}" type="datetimeFigureOut">
               <a:rPr lang="da-DK" smtClean="0"/>
-              <a:t>12-06-2018</a:t>
+              <a:t>13-06-2018</a:t>
             </a:fld>
             <a:endParaRPr lang="da-DK"/>
           </a:p>
@@ -4162,7 +4162,7 @@
           <a:p>
             <a:fld id="{30485DA9-E8E5-45CF-BA5E-FFB4DE1BCC6B}" type="datetimeFigureOut">
               <a:rPr lang="da-DK" smtClean="0"/>
-              <a:t>12-06-2018</a:t>
+              <a:t>13-06-2018</a:t>
             </a:fld>
             <a:endParaRPr lang="da-DK"/>
           </a:p>
@@ -4857,13 +4857,6 @@
             </a:r>
           </a:p>
           <a:p>
-            <a:pPr lvl="2"/>
-            <a:r>
-              <a:rPr lang="en-US" dirty="0"/>
-              <a:t>Thiele/Small</a:t>
-            </a:r>
-          </a:p>
-          <a:p>
             <a:pPr lvl="1"/>
             <a:r>
               <a:rPr lang="en-US" dirty="0" err="1"/>
@@ -4975,9 +4968,26 @@
           <a:p>
             <a:pPr lvl="1"/>
             <a:r>
-              <a:rPr lang="en-US" dirty="0"/>
-              <a:t>Electromechanical </a:t>
-            </a:r>
+              <a:rPr lang="da-DK" dirty="0" err="1"/>
+              <a:t>Electrical</a:t>
+            </a:r>
+            <a:r>
+              <a:rPr lang="da-DK" dirty="0"/>
+              <a:t>, </a:t>
+            </a:r>
+            <a:r>
+              <a:rPr lang="da-DK" dirty="0" err="1"/>
+              <a:t>mechanical</a:t>
+            </a:r>
+            <a:r>
+              <a:rPr lang="da-DK" dirty="0"/>
+              <a:t>, </a:t>
+            </a:r>
+            <a:r>
+              <a:rPr lang="da-DK" dirty="0" err="1"/>
+              <a:t>acoustical</a:t>
+            </a:r>
+            <a:endParaRPr lang="en-US" dirty="0"/>
           </a:p>
           <a:p>
             <a:r>
@@ -5051,10 +5061,10 @@
       </p:pic>
       <p:pic>
         <p:nvPicPr>
-          <p:cNvPr id="5" name="Picture 4">
+          <p:cNvPr id="6" name="Picture 5">
             <a:extLst>
               <a:ext uri="{FF2B5EF4-FFF2-40B4-BE49-F238E27FC236}">
-                <a16:creationId xmlns:a16="http://schemas.microsoft.com/office/drawing/2014/main" id="{ED1EC644-93A7-4F4F-8361-F8691FB63833}"/>
+                <a16:creationId xmlns:a16="http://schemas.microsoft.com/office/drawing/2014/main" id="{A1FF53DE-8B7E-4305-B01D-A7E2EA4CCB65}"/>
               </a:ext>
             </a:extLst>
           </p:cNvPr>
@@ -5071,37 +5081,7 @@
         </p:blipFill>
         <p:spPr>
           <a:xfrm>
-            <a:off x="1666875" y="4558559"/>
-            <a:ext cx="838200" cy="428625"/>
-          </a:xfrm>
-          <a:prstGeom prst="rect">
-            <a:avLst/>
-          </a:prstGeom>
-        </p:spPr>
-      </p:pic>
-      <p:pic>
-        <p:nvPicPr>
-          <p:cNvPr id="6" name="Picture 5">
-            <a:extLst>
-              <a:ext uri="{FF2B5EF4-FFF2-40B4-BE49-F238E27FC236}">
-                <a16:creationId xmlns:a16="http://schemas.microsoft.com/office/drawing/2014/main" id="{A1FF53DE-8B7E-4305-B01D-A7E2EA4CCB65}"/>
-              </a:ext>
-            </a:extLst>
-          </p:cNvPr>
-          <p:cNvPicPr>
-            <a:picLocks noChangeAspect="1"/>
-          </p:cNvPicPr>
-          <p:nvPr/>
-        </p:nvPicPr>
-        <p:blipFill>
-          <a:blip r:embed="rId5"/>
-          <a:stretch>
-            <a:fillRect/>
-          </a:stretch>
-        </p:blipFill>
-        <p:spPr>
-          <a:xfrm>
-            <a:off x="1666875" y="5118576"/>
+            <a:off x="1638883" y="4499451"/>
             <a:ext cx="4772025" cy="619125"/>
           </a:xfrm>
           <a:prstGeom prst="rect">

--- a/Speaker Modelling.pptx
+++ b/Speaker Modelling.pptx
@@ -4955,9 +4955,16 @@
             <p:ph idx="1"/>
           </p:nvPr>
         </p:nvSpPr>
-        <p:spPr/>
-        <p:txBody>
-          <a:bodyPr/>
+        <p:spPr>
+          <a:xfrm>
+            <a:off x="1097280" y="1845733"/>
+            <a:ext cx="10058400" cy="4321801"/>
+          </a:xfrm>
+        </p:spPr>
+        <p:txBody>
+          <a:bodyPr>
+            <a:normAutofit lnSpcReduction="10000"/>
+          </a:bodyPr>
           <a:lstStyle/>
           <a:p>
             <a:r>
@@ -5022,6 +5029,32 @@
             <a:r>
               <a:rPr lang="en-US" dirty="0"/>
               <a:t>Infinite enclosure</a:t>
+            </a:r>
+          </a:p>
+          <a:p>
+            <a:pPr lvl="1"/>
+            <a:endParaRPr lang="en-US" dirty="0"/>
+          </a:p>
+          <a:p>
+            <a:pPr lvl="1"/>
+            <a:endParaRPr lang="en-US" dirty="0"/>
+          </a:p>
+          <a:p>
+            <a:pPr lvl="1"/>
+            <a:endParaRPr lang="en-US" dirty="0"/>
+          </a:p>
+          <a:p>
+            <a:pPr lvl="1"/>
+            <a:r>
+              <a:rPr lang="en-US" dirty="0"/>
+              <a:t>Cross-over filter</a:t>
+            </a:r>
+          </a:p>
+          <a:p>
+            <a:pPr lvl="1"/>
+            <a:r>
+              <a:rPr lang="en-US" dirty="0"/>
+              <a:t>Bass reflex</a:t>
             </a:r>
           </a:p>
           <a:p>
@@ -5081,7 +5114,7 @@
         </p:blipFill>
         <p:spPr>
           <a:xfrm>
-            <a:off x="1638883" y="4499451"/>
+            <a:off x="1657544" y="4329544"/>
             <a:ext cx="4772025" cy="619125"/>
           </a:xfrm>
           <a:prstGeom prst="rect">
